--- a/assets/Final_eval.pptx
+++ b/assets/Final_eval.pptx
@@ -11,23 +11,27 @@
     <p:sldId id="256" r:id="rId6"/>
     <p:sldId id="257" r:id="rId7"/>
     <p:sldId id="258" r:id="rId8"/>
+    <p:sldId id="259" r:id="rId9"/>
+    <p:sldId id="260" r:id="rId10"/>
+    <p:sldId id="261" r:id="rId11"/>
+    <p:sldId id="262" r:id="rId12"/>
   </p:sldIdLst>
   <p:sldSz cy="5143500" cx="9144000"/>
   <p:notesSz cx="6858000" cy="9144000"/>
   <p:embeddedFontLst>
     <p:embeddedFont>
       <p:font typeface="Raleway"/>
-      <p:regular r:id="rId9"/>
-      <p:bold r:id="rId10"/>
-      <p:italic r:id="rId11"/>
-      <p:boldItalic r:id="rId12"/>
-    </p:embeddedFont>
-    <p:embeddedFont>
-      <p:font typeface="Lato"/>
       <p:regular r:id="rId13"/>
       <p:bold r:id="rId14"/>
       <p:italic r:id="rId15"/>
       <p:boldItalic r:id="rId16"/>
+    </p:embeddedFont>
+    <p:embeddedFont>
+      <p:font typeface="Lato"/>
+      <p:regular r:id="rId17"/>
+      <p:bold r:id="rId18"/>
+      <p:italic r:id="rId19"/>
+      <p:boldItalic r:id="rId20"/>
     </p:embeddedFont>
   </p:embeddedFontLst>
   <p:defaultTextStyle>
@@ -723,7 +727,7 @@
       </p:grpSpPr>
       <p:sp>
         <p:nvSpPr>
-          <p:cNvPr id="83" name="Google Shape;83;g251622d556_0_36:notes"/>
+          <p:cNvPr id="83" name="Google Shape;83;g8b70d86238_0_0:notes"/>
           <p:cNvSpPr/>
           <p:nvPr>
             <p:ph idx="2" type="sldImg"/>
@@ -758,7 +762,7 @@
       </p:sp>
       <p:sp>
         <p:nvSpPr>
-          <p:cNvPr id="84" name="Google Shape;84;g251622d556_0_36:notes"/>
+          <p:cNvPr id="84" name="Google Shape;84;g8b70d86238_0_0:notes"/>
           <p:cNvSpPr txBox="1"/>
           <p:nvPr>
             <p:ph idx="1" type="body"/>
@@ -808,7 +812,7 @@
   <p:cSld>
     <p:spTree>
       <p:nvGrpSpPr>
-        <p:cNvPr id="90" name="Shape 90"/>
+        <p:cNvPr id="88" name="Shape 88"/>
         <p:cNvGrpSpPr/>
         <p:nvPr/>
       </p:nvGrpSpPr>
@@ -822,7 +826,7 @@
       </p:grpSpPr>
       <p:sp>
         <p:nvSpPr>
-          <p:cNvPr id="91" name="Google Shape;91;g251622d556_0_42:notes"/>
+          <p:cNvPr id="89" name="Google Shape;89;g251622d556_0_36:notes"/>
           <p:cNvSpPr/>
           <p:nvPr>
             <p:ph idx="2" type="sldImg"/>
@@ -857,7 +861,7 @@
       </p:sp>
       <p:sp>
         <p:nvSpPr>
-          <p:cNvPr id="92" name="Google Shape;92;g251622d556_0_42:notes"/>
+          <p:cNvPr id="90" name="Google Shape;90;g251622d556_0_36:notes"/>
           <p:cNvSpPr txBox="1"/>
           <p:nvPr>
             <p:ph idx="1" type="body"/>
@@ -907,7 +911,7 @@
   <p:cSld>
     <p:spTree>
       <p:nvGrpSpPr>
-        <p:cNvPr id="103" name="Shape 103"/>
+        <p:cNvPr id="96" name="Shape 96"/>
         <p:cNvGrpSpPr/>
         <p:nvPr/>
       </p:nvGrpSpPr>
@@ -921,7 +925,7 @@
       </p:grpSpPr>
       <p:sp>
         <p:nvSpPr>
-          <p:cNvPr id="104" name="Google Shape;104;g8af55178dc_0_9:notes"/>
+          <p:cNvPr id="97" name="Google Shape;97;g251622d556_0_42:notes"/>
           <p:cNvSpPr/>
           <p:nvPr>
             <p:ph idx="2" type="sldImg"/>
@@ -956,7 +960,403 @@
       </p:sp>
       <p:sp>
         <p:nvSpPr>
-          <p:cNvPr id="105" name="Google Shape;105;g8af55178dc_0_9:notes"/>
+          <p:cNvPr id="98" name="Google Shape;98;g251622d556_0_42:notes"/>
+          <p:cNvSpPr txBox="1"/>
+          <p:nvPr>
+            <p:ph idx="1" type="body"/>
+          </p:nvPr>
+        </p:nvSpPr>
+        <p:spPr>
+          <a:xfrm>
+            <a:off x="685800" y="4343400"/>
+            <a:ext cx="5486400" cy="4114800"/>
+          </a:xfrm>
+          <a:prstGeom prst="rect">
+            <a:avLst/>
+          </a:prstGeom>
+        </p:spPr>
+        <p:txBody>
+          <a:bodyPr anchorCtr="0" anchor="t" bIns="91425" lIns="91425" spcFirstLastPara="1" rIns="91425" wrap="square" tIns="91425">
+            <a:noAutofit/>
+          </a:bodyPr>
+          <a:lstStyle/>
+          <a:p>
+            <a:pPr indent="0" lvl="0" marL="0" rtl="0" algn="l">
+              <a:spcBef>
+                <a:spcPts val="0"/>
+              </a:spcBef>
+              <a:spcAft>
+                <a:spcPts val="0"/>
+              </a:spcAft>
+              <a:buNone/>
+            </a:pPr>
+            <a:r>
+              <a:t/>
+            </a:r>
+            <a:endParaRPr/>
+          </a:p>
+        </p:txBody>
+      </p:sp>
+    </p:spTree>
+  </p:cSld>
+  <p:clrMapOvr>
+    <a:masterClrMapping/>
+  </p:clrMapOvr>
+</p:notes>
+</file>
+
+<file path=ppt/notesSlides/notesSlide4.xml><?xml version="1.0" encoding="utf-8"?>
+<p:notes xmlns:a="http://schemas.openxmlformats.org/drawingml/2006/main" xmlns:r="http://schemas.openxmlformats.org/officeDocument/2006/relationships" xmlns:mc="http://schemas.openxmlformats.org/markup-compatibility/2006" xmlns:mv="urn:schemas-microsoft-com:mac:vml" xmlns:p="http://schemas.openxmlformats.org/presentationml/2006/main" xmlns:c="http://schemas.openxmlformats.org/drawingml/2006/chart" xmlns:dgm="http://schemas.openxmlformats.org/drawingml/2006/diagram" xmlns:o="urn:schemas-microsoft-com:office:office" xmlns:v="urn:schemas-microsoft-com:vml" xmlns:pvml="urn:schemas-microsoft-com:office:powerpoint" xmlns:com="http://schemas.openxmlformats.org/drawingml/2006/compatibility" xmlns:p14="http://schemas.microsoft.com/office/powerpoint/2010/main" xmlns:p15="http://schemas.microsoft.com/office/powerpoint/2012/main" showMasterPhAnim="0" showMasterSp="0">
+  <p:cSld>
+    <p:spTree>
+      <p:nvGrpSpPr>
+        <p:cNvPr id="105" name="Shape 105"/>
+        <p:cNvGrpSpPr/>
+        <p:nvPr/>
+      </p:nvGrpSpPr>
+      <p:grpSpPr>
+        <a:xfrm>
+          <a:off x="0" y="0"/>
+          <a:ext cx="0" cy="0"/>
+          <a:chOff x="0" y="0"/>
+          <a:chExt cx="0" cy="0"/>
+        </a:xfrm>
+      </p:grpSpPr>
+      <p:sp>
+        <p:nvSpPr>
+          <p:cNvPr id="106" name="Google Shape;106;g8b70d86238_0_6:notes"/>
+          <p:cNvSpPr/>
+          <p:nvPr>
+            <p:ph idx="2" type="sldImg"/>
+          </p:nvPr>
+        </p:nvSpPr>
+        <p:spPr>
+          <a:xfrm>
+            <a:off x="381300" y="685800"/>
+            <a:ext cx="6096000" cy="3429000"/>
+          </a:xfrm>
+          <a:custGeom>
+            <a:rect b="b" l="l" r="r" t="t"/>
+            <a:pathLst>
+              <a:path extrusionOk="0" h="120000" w="120000">
+                <a:moveTo>
+                  <a:pt x="0" y="0"/>
+                </a:moveTo>
+                <a:lnTo>
+                  <a:pt x="120000" y="0"/>
+                </a:lnTo>
+                <a:lnTo>
+                  <a:pt x="120000" y="120000"/>
+                </a:lnTo>
+                <a:lnTo>
+                  <a:pt x="0" y="120000"/>
+                </a:lnTo>
+                <a:close/>
+              </a:path>
+            </a:pathLst>
+          </a:custGeom>
+        </p:spPr>
+      </p:sp>
+      <p:sp>
+        <p:nvSpPr>
+          <p:cNvPr id="107" name="Google Shape;107;g8b70d86238_0_6:notes"/>
+          <p:cNvSpPr txBox="1"/>
+          <p:nvPr>
+            <p:ph idx="1" type="body"/>
+          </p:nvPr>
+        </p:nvSpPr>
+        <p:spPr>
+          <a:xfrm>
+            <a:off x="685800" y="4343400"/>
+            <a:ext cx="5486400" cy="4114800"/>
+          </a:xfrm>
+          <a:prstGeom prst="rect">
+            <a:avLst/>
+          </a:prstGeom>
+        </p:spPr>
+        <p:txBody>
+          <a:bodyPr anchorCtr="0" anchor="t" bIns="91425" lIns="91425" spcFirstLastPara="1" rIns="91425" wrap="square" tIns="91425">
+            <a:noAutofit/>
+          </a:bodyPr>
+          <a:lstStyle/>
+          <a:p>
+            <a:pPr indent="0" lvl="0" marL="0" rtl="0" algn="l">
+              <a:spcBef>
+                <a:spcPts val="0"/>
+              </a:spcBef>
+              <a:spcAft>
+                <a:spcPts val="0"/>
+              </a:spcAft>
+              <a:buNone/>
+            </a:pPr>
+            <a:r>
+              <a:t/>
+            </a:r>
+            <a:endParaRPr/>
+          </a:p>
+        </p:txBody>
+      </p:sp>
+    </p:spTree>
+  </p:cSld>
+  <p:clrMapOvr>
+    <a:masterClrMapping/>
+  </p:clrMapOvr>
+</p:notes>
+</file>
+
+<file path=ppt/notesSlides/notesSlide5.xml><?xml version="1.0" encoding="utf-8"?>
+<p:notes xmlns:a="http://schemas.openxmlformats.org/drawingml/2006/main" xmlns:r="http://schemas.openxmlformats.org/officeDocument/2006/relationships" xmlns:mc="http://schemas.openxmlformats.org/markup-compatibility/2006" xmlns:mv="urn:schemas-microsoft-com:mac:vml" xmlns:p="http://schemas.openxmlformats.org/presentationml/2006/main" xmlns:c="http://schemas.openxmlformats.org/drawingml/2006/chart" xmlns:dgm="http://schemas.openxmlformats.org/drawingml/2006/diagram" xmlns:o="urn:schemas-microsoft-com:office:office" xmlns:v="urn:schemas-microsoft-com:vml" xmlns:pvml="urn:schemas-microsoft-com:office:powerpoint" xmlns:com="http://schemas.openxmlformats.org/drawingml/2006/compatibility" xmlns:p14="http://schemas.microsoft.com/office/powerpoint/2010/main" xmlns:p15="http://schemas.microsoft.com/office/powerpoint/2012/main" showMasterPhAnim="0" showMasterSp="0">
+  <p:cSld>
+    <p:spTree>
+      <p:nvGrpSpPr>
+        <p:cNvPr id="112" name="Shape 112"/>
+        <p:cNvGrpSpPr/>
+        <p:nvPr/>
+      </p:nvGrpSpPr>
+      <p:grpSpPr>
+        <a:xfrm>
+          <a:off x="0" y="0"/>
+          <a:ext cx="0" cy="0"/>
+          <a:chOff x="0" y="0"/>
+          <a:chExt cx="0" cy="0"/>
+        </a:xfrm>
+      </p:grpSpPr>
+      <p:sp>
+        <p:nvSpPr>
+          <p:cNvPr id="113" name="Google Shape;113;g8b70d86238_0_25:notes"/>
+          <p:cNvSpPr/>
+          <p:nvPr>
+            <p:ph idx="2" type="sldImg"/>
+          </p:nvPr>
+        </p:nvSpPr>
+        <p:spPr>
+          <a:xfrm>
+            <a:off x="381300" y="685800"/>
+            <a:ext cx="6096000" cy="3429000"/>
+          </a:xfrm>
+          <a:custGeom>
+            <a:rect b="b" l="l" r="r" t="t"/>
+            <a:pathLst>
+              <a:path extrusionOk="0" h="120000" w="120000">
+                <a:moveTo>
+                  <a:pt x="0" y="0"/>
+                </a:moveTo>
+                <a:lnTo>
+                  <a:pt x="120000" y="0"/>
+                </a:lnTo>
+                <a:lnTo>
+                  <a:pt x="120000" y="120000"/>
+                </a:lnTo>
+                <a:lnTo>
+                  <a:pt x="0" y="120000"/>
+                </a:lnTo>
+                <a:close/>
+              </a:path>
+            </a:pathLst>
+          </a:custGeom>
+        </p:spPr>
+      </p:sp>
+      <p:sp>
+        <p:nvSpPr>
+          <p:cNvPr id="114" name="Google Shape;114;g8b70d86238_0_25:notes"/>
+          <p:cNvSpPr txBox="1"/>
+          <p:nvPr>
+            <p:ph idx="1" type="body"/>
+          </p:nvPr>
+        </p:nvSpPr>
+        <p:spPr>
+          <a:xfrm>
+            <a:off x="685800" y="4343400"/>
+            <a:ext cx="5486400" cy="4114800"/>
+          </a:xfrm>
+          <a:prstGeom prst="rect">
+            <a:avLst/>
+          </a:prstGeom>
+        </p:spPr>
+        <p:txBody>
+          <a:bodyPr anchorCtr="0" anchor="t" bIns="91425" lIns="91425" spcFirstLastPara="1" rIns="91425" wrap="square" tIns="91425">
+            <a:noAutofit/>
+          </a:bodyPr>
+          <a:lstStyle/>
+          <a:p>
+            <a:pPr indent="0" lvl="0" marL="0" rtl="0" algn="l">
+              <a:spcBef>
+                <a:spcPts val="0"/>
+              </a:spcBef>
+              <a:spcAft>
+                <a:spcPts val="0"/>
+              </a:spcAft>
+              <a:buNone/>
+            </a:pPr>
+            <a:r>
+              <a:t/>
+            </a:r>
+            <a:endParaRPr/>
+          </a:p>
+        </p:txBody>
+      </p:sp>
+    </p:spTree>
+  </p:cSld>
+  <p:clrMapOvr>
+    <a:masterClrMapping/>
+  </p:clrMapOvr>
+</p:notes>
+</file>
+
+<file path=ppt/notesSlides/notesSlide6.xml><?xml version="1.0" encoding="utf-8"?>
+<p:notes xmlns:a="http://schemas.openxmlformats.org/drawingml/2006/main" xmlns:r="http://schemas.openxmlformats.org/officeDocument/2006/relationships" xmlns:mc="http://schemas.openxmlformats.org/markup-compatibility/2006" xmlns:mv="urn:schemas-microsoft-com:mac:vml" xmlns:p="http://schemas.openxmlformats.org/presentationml/2006/main" xmlns:c="http://schemas.openxmlformats.org/drawingml/2006/chart" xmlns:dgm="http://schemas.openxmlformats.org/drawingml/2006/diagram" xmlns:o="urn:schemas-microsoft-com:office:office" xmlns:v="urn:schemas-microsoft-com:vml" xmlns:pvml="urn:schemas-microsoft-com:office:powerpoint" xmlns:com="http://schemas.openxmlformats.org/drawingml/2006/compatibility" xmlns:p14="http://schemas.microsoft.com/office/powerpoint/2010/main" xmlns:p15="http://schemas.microsoft.com/office/powerpoint/2012/main" showMasterPhAnim="0" showMasterSp="0">
+  <p:cSld>
+    <p:spTree>
+      <p:nvGrpSpPr>
+        <p:cNvPr id="119" name="Shape 119"/>
+        <p:cNvGrpSpPr/>
+        <p:nvPr/>
+      </p:nvGrpSpPr>
+      <p:grpSpPr>
+        <a:xfrm>
+          <a:off x="0" y="0"/>
+          <a:ext cx="0" cy="0"/>
+          <a:chOff x="0" y="0"/>
+          <a:chExt cx="0" cy="0"/>
+        </a:xfrm>
+      </p:grpSpPr>
+      <p:sp>
+        <p:nvSpPr>
+          <p:cNvPr id="120" name="Google Shape;120;g8b70d86238_0_37:notes"/>
+          <p:cNvSpPr/>
+          <p:nvPr>
+            <p:ph idx="2" type="sldImg"/>
+          </p:nvPr>
+        </p:nvSpPr>
+        <p:spPr>
+          <a:xfrm>
+            <a:off x="381300" y="685800"/>
+            <a:ext cx="6096000" cy="3429000"/>
+          </a:xfrm>
+          <a:custGeom>
+            <a:rect b="b" l="l" r="r" t="t"/>
+            <a:pathLst>
+              <a:path extrusionOk="0" h="120000" w="120000">
+                <a:moveTo>
+                  <a:pt x="0" y="0"/>
+                </a:moveTo>
+                <a:lnTo>
+                  <a:pt x="120000" y="0"/>
+                </a:lnTo>
+                <a:lnTo>
+                  <a:pt x="120000" y="120000"/>
+                </a:lnTo>
+                <a:lnTo>
+                  <a:pt x="0" y="120000"/>
+                </a:lnTo>
+                <a:close/>
+              </a:path>
+            </a:pathLst>
+          </a:custGeom>
+        </p:spPr>
+      </p:sp>
+      <p:sp>
+        <p:nvSpPr>
+          <p:cNvPr id="121" name="Google Shape;121;g8b70d86238_0_37:notes"/>
+          <p:cNvSpPr txBox="1"/>
+          <p:nvPr>
+            <p:ph idx="1" type="body"/>
+          </p:nvPr>
+        </p:nvSpPr>
+        <p:spPr>
+          <a:xfrm>
+            <a:off x="685800" y="4343400"/>
+            <a:ext cx="5486400" cy="4114800"/>
+          </a:xfrm>
+          <a:prstGeom prst="rect">
+            <a:avLst/>
+          </a:prstGeom>
+        </p:spPr>
+        <p:txBody>
+          <a:bodyPr anchorCtr="0" anchor="t" bIns="91425" lIns="91425" spcFirstLastPara="1" rIns="91425" wrap="square" tIns="91425">
+            <a:noAutofit/>
+          </a:bodyPr>
+          <a:lstStyle/>
+          <a:p>
+            <a:pPr indent="0" lvl="0" marL="0" rtl="0" algn="l">
+              <a:spcBef>
+                <a:spcPts val="0"/>
+              </a:spcBef>
+              <a:spcAft>
+                <a:spcPts val="0"/>
+              </a:spcAft>
+              <a:buNone/>
+            </a:pPr>
+            <a:r>
+              <a:t/>
+            </a:r>
+            <a:endParaRPr/>
+          </a:p>
+        </p:txBody>
+      </p:sp>
+    </p:spTree>
+  </p:cSld>
+  <p:clrMapOvr>
+    <a:masterClrMapping/>
+  </p:clrMapOvr>
+</p:notes>
+</file>
+
+<file path=ppt/notesSlides/notesSlide7.xml><?xml version="1.0" encoding="utf-8"?>
+<p:notes xmlns:a="http://schemas.openxmlformats.org/drawingml/2006/main" xmlns:r="http://schemas.openxmlformats.org/officeDocument/2006/relationships" xmlns:mc="http://schemas.openxmlformats.org/markup-compatibility/2006" xmlns:mv="urn:schemas-microsoft-com:mac:vml" xmlns:p="http://schemas.openxmlformats.org/presentationml/2006/main" xmlns:c="http://schemas.openxmlformats.org/drawingml/2006/chart" xmlns:dgm="http://schemas.openxmlformats.org/drawingml/2006/diagram" xmlns:o="urn:schemas-microsoft-com:office:office" xmlns:v="urn:schemas-microsoft-com:vml" xmlns:pvml="urn:schemas-microsoft-com:office:powerpoint" xmlns:com="http://schemas.openxmlformats.org/drawingml/2006/compatibility" xmlns:p14="http://schemas.microsoft.com/office/powerpoint/2010/main" xmlns:p15="http://schemas.microsoft.com/office/powerpoint/2012/main" showMasterPhAnim="0" showMasterSp="0">
+  <p:cSld>
+    <p:spTree>
+      <p:nvGrpSpPr>
+        <p:cNvPr id="126" name="Shape 126"/>
+        <p:cNvGrpSpPr/>
+        <p:nvPr/>
+      </p:nvGrpSpPr>
+      <p:grpSpPr>
+        <a:xfrm>
+          <a:off x="0" y="0"/>
+          <a:ext cx="0" cy="0"/>
+          <a:chOff x="0" y="0"/>
+          <a:chExt cx="0" cy="0"/>
+        </a:xfrm>
+      </p:grpSpPr>
+      <p:sp>
+        <p:nvSpPr>
+          <p:cNvPr id="127" name="Google Shape;127;g8af55178dc_0_9:notes"/>
+          <p:cNvSpPr/>
+          <p:nvPr>
+            <p:ph idx="2" type="sldImg"/>
+          </p:nvPr>
+        </p:nvSpPr>
+        <p:spPr>
+          <a:xfrm>
+            <a:off x="381300" y="685800"/>
+            <a:ext cx="6096000" cy="3429000"/>
+          </a:xfrm>
+          <a:custGeom>
+            <a:rect b="b" l="l" r="r" t="t"/>
+            <a:pathLst>
+              <a:path extrusionOk="0" h="120000" w="120000">
+                <a:moveTo>
+                  <a:pt x="0" y="0"/>
+                </a:moveTo>
+                <a:lnTo>
+                  <a:pt x="120000" y="0"/>
+                </a:lnTo>
+                <a:lnTo>
+                  <a:pt x="120000" y="120000"/>
+                </a:lnTo>
+                <a:lnTo>
+                  <a:pt x="0" y="120000"/>
+                </a:lnTo>
+                <a:close/>
+              </a:path>
+            </a:pathLst>
+          </a:custGeom>
+        </p:spPr>
+      </p:sp>
+      <p:sp>
+        <p:nvSpPr>
+          <p:cNvPr id="128" name="Google Shape;128;g8af55178dc_0_9:notes"/>
           <p:cNvSpPr txBox="1"/>
           <p:nvPr>
             <p:ph idx="1" type="body"/>
@@ -7639,6 +8039,192 @@
         </p:nvSpPr>
         <p:spPr>
           <a:xfrm>
+            <a:off x="729450" y="1322450"/>
+            <a:ext cx="7688100" cy="1664700"/>
+          </a:xfrm>
+          <a:prstGeom prst="rect">
+            <a:avLst/>
+          </a:prstGeom>
+        </p:spPr>
+        <p:txBody>
+          <a:bodyPr anchorCtr="0" anchor="t" bIns="91425" lIns="91425" spcFirstLastPara="1" rIns="91425" wrap="square" tIns="91425">
+            <a:noAutofit/>
+          </a:bodyPr>
+          <a:lstStyle/>
+          <a:p>
+            <a:pPr indent="0" lvl="0" marL="0" rtl="0" algn="l">
+              <a:spcBef>
+                <a:spcPts val="0"/>
+              </a:spcBef>
+              <a:spcAft>
+                <a:spcPts val="0"/>
+              </a:spcAft>
+              <a:buNone/>
+            </a:pPr>
+            <a:r>
+              <a:rPr lang="en"/>
+              <a:t>Image Processing Project</a:t>
+            </a:r>
+            <a:endParaRPr/>
+          </a:p>
+        </p:txBody>
+      </p:sp>
+      <p:sp>
+        <p:nvSpPr>
+          <p:cNvPr id="87" name="Google Shape;87;p13"/>
+          <p:cNvSpPr txBox="1"/>
+          <p:nvPr>
+            <p:ph idx="1" type="subTitle"/>
+          </p:nvPr>
+        </p:nvSpPr>
+        <p:spPr>
+          <a:xfrm>
+            <a:off x="727950" y="2445950"/>
+            <a:ext cx="8251800" cy="541200"/>
+          </a:xfrm>
+          <a:prstGeom prst="rect">
+            <a:avLst/>
+          </a:prstGeom>
+        </p:spPr>
+        <p:txBody>
+          <a:bodyPr anchorCtr="0" anchor="t" bIns="91425" lIns="91425" spcFirstLastPara="1" rIns="91425" wrap="square" tIns="91425">
+            <a:noAutofit/>
+          </a:bodyPr>
+          <a:lstStyle/>
+          <a:p>
+            <a:pPr indent="0" lvl="0" marL="0" rtl="0" algn="l">
+              <a:spcBef>
+                <a:spcPts val="0"/>
+              </a:spcBef>
+              <a:spcAft>
+                <a:spcPts val="0"/>
+              </a:spcAft>
+              <a:buNone/>
+            </a:pPr>
+            <a:r>
+              <a:rPr lang="en"/>
+              <a:t>“</a:t>
+            </a:r>
+            <a:r>
+              <a:rPr lang="en"/>
+              <a:t>Adaptive Mammographic Image Enhancement Using First Derivative and Local Statistics”.</a:t>
+            </a:r>
+            <a:endParaRPr/>
+          </a:p>
+          <a:p>
+            <a:pPr indent="0" lvl="0" marL="0" rtl="0" algn="l">
+              <a:spcBef>
+                <a:spcPts val="0"/>
+              </a:spcBef>
+              <a:spcAft>
+                <a:spcPts val="0"/>
+              </a:spcAft>
+              <a:buNone/>
+            </a:pPr>
+            <a:r>
+              <a:t/>
+            </a:r>
+            <a:endParaRPr/>
+          </a:p>
+          <a:p>
+            <a:pPr indent="0" lvl="0" marL="0" rtl="0" algn="l">
+              <a:spcBef>
+                <a:spcPts val="0"/>
+              </a:spcBef>
+              <a:spcAft>
+                <a:spcPts val="0"/>
+              </a:spcAft>
+              <a:buNone/>
+            </a:pPr>
+            <a:r>
+              <a:t/>
+            </a:r>
+            <a:endParaRPr/>
+          </a:p>
+          <a:p>
+            <a:pPr indent="0" lvl="0" marL="0" rtl="0" algn="l">
+              <a:spcBef>
+                <a:spcPts val="0"/>
+              </a:spcBef>
+              <a:spcAft>
+                <a:spcPts val="0"/>
+              </a:spcAft>
+              <a:buNone/>
+            </a:pPr>
+            <a:r>
+              <a:t/>
+            </a:r>
+            <a:endParaRPr/>
+          </a:p>
+          <a:p>
+            <a:pPr indent="0" lvl="0" marL="0" rtl="0" algn="l">
+              <a:spcBef>
+                <a:spcPts val="0"/>
+              </a:spcBef>
+              <a:spcAft>
+                <a:spcPts val="0"/>
+              </a:spcAft>
+              <a:buNone/>
+            </a:pPr>
+            <a:r>
+              <a:rPr lang="en"/>
+              <a:t>Rushikesh Ghule - 2017218</a:t>
+            </a:r>
+            <a:endParaRPr/>
+          </a:p>
+          <a:p>
+            <a:pPr indent="0" lvl="0" marL="0" rtl="0" algn="l">
+              <a:spcBef>
+                <a:spcPts val="0"/>
+              </a:spcBef>
+              <a:spcAft>
+                <a:spcPts val="0"/>
+              </a:spcAft>
+              <a:buNone/>
+            </a:pPr>
+            <a:r>
+              <a:rPr lang="en"/>
+              <a:t>Srijan Singh - 2017259</a:t>
+            </a:r>
+            <a:endParaRPr/>
+          </a:p>
+        </p:txBody>
+      </p:sp>
+    </p:spTree>
+  </p:cSld>
+  <p:clrMapOvr>
+    <a:masterClrMapping/>
+  </p:clrMapOvr>
+</p:sld>
+</file>
+
+<file path=ppt/slides/slide2.xml><?xml version="1.0" encoding="utf-8"?>
+<p:sld xmlns:a="http://schemas.openxmlformats.org/drawingml/2006/main" xmlns:r="http://schemas.openxmlformats.org/officeDocument/2006/relationships" xmlns:mc="http://schemas.openxmlformats.org/markup-compatibility/2006" xmlns:mv="urn:schemas-microsoft-com:mac:vml" xmlns:p="http://schemas.openxmlformats.org/presentationml/2006/main" xmlns:c="http://schemas.openxmlformats.org/drawingml/2006/chart" xmlns:dgm="http://schemas.openxmlformats.org/drawingml/2006/diagram" xmlns:o="urn:schemas-microsoft-com:office:office" xmlns:v="urn:schemas-microsoft-com:vml" xmlns:pvml="urn:schemas-microsoft-com:office:powerpoint" xmlns:com="http://schemas.openxmlformats.org/drawingml/2006/compatibility" xmlns:p14="http://schemas.microsoft.com/office/powerpoint/2010/main" xmlns:p15="http://schemas.microsoft.com/office/powerpoint/2012/main">
+  <p:cSld>
+    <p:spTree>
+      <p:nvGrpSpPr>
+        <p:cNvPr id="91" name="Shape 91"/>
+        <p:cNvGrpSpPr/>
+        <p:nvPr/>
+      </p:nvGrpSpPr>
+      <p:grpSpPr>
+        <a:xfrm>
+          <a:off x="0" y="0"/>
+          <a:ext cx="0" cy="0"/>
+          <a:chOff x="0" y="0"/>
+          <a:chExt cx="0" cy="0"/>
+        </a:xfrm>
+      </p:grpSpPr>
+      <p:sp>
+        <p:nvSpPr>
+          <p:cNvPr id="92" name="Google Shape;92;p14"/>
+          <p:cNvSpPr txBox="1"/>
+          <p:nvPr>
+            <p:ph type="ctrTitle"/>
+          </p:nvPr>
+        </p:nvSpPr>
+        <p:spPr>
+          <a:xfrm>
             <a:off x="269700" y="-75000"/>
             <a:ext cx="8720700" cy="724200"/>
           </a:xfrm>
@@ -7679,7 +8265,7 @@
       </p:sp>
       <p:sp>
         <p:nvSpPr>
-          <p:cNvPr id="87" name="Google Shape;87;p13"/>
+          <p:cNvPr id="93" name="Google Shape;93;p14"/>
           <p:cNvSpPr txBox="1"/>
           <p:nvPr>
             <p:ph idx="1" type="subTitle"/>
@@ -7821,7 +8407,7 @@
       </p:sp>
       <p:sp>
         <p:nvSpPr>
-          <p:cNvPr id="88" name="Google Shape;88;p13"/>
+          <p:cNvPr id="94" name="Google Shape;94;p14"/>
           <p:cNvSpPr txBox="1"/>
           <p:nvPr/>
         </p:nvSpPr>
@@ -7873,7 +8459,7 @@
       </p:sp>
       <p:pic>
         <p:nvPicPr>
-          <p:cNvPr id="89" name="Google Shape;89;p13"/>
+          <p:cNvPr id="95" name="Google Shape;95;p14"/>
           <p:cNvPicPr preferRelativeResize="0"/>
           <p:nvPr/>
         </p:nvPicPr>
@@ -7906,12 +8492,12 @@
 </p:sld>
 </file>
 
-<file path=ppt/slides/slide2.xml><?xml version="1.0" encoding="utf-8"?>
+<file path=ppt/slides/slide3.xml><?xml version="1.0" encoding="utf-8"?>
 <p:sld xmlns:a="http://schemas.openxmlformats.org/drawingml/2006/main" xmlns:r="http://schemas.openxmlformats.org/officeDocument/2006/relationships" xmlns:mc="http://schemas.openxmlformats.org/markup-compatibility/2006" xmlns:mv="urn:schemas-microsoft-com:mac:vml" xmlns:p="http://schemas.openxmlformats.org/presentationml/2006/main" xmlns:c="http://schemas.openxmlformats.org/drawingml/2006/chart" xmlns:dgm="http://schemas.openxmlformats.org/drawingml/2006/diagram" xmlns:o="urn:schemas-microsoft-com:office:office" xmlns:v="urn:schemas-microsoft-com:vml" xmlns:pvml="urn:schemas-microsoft-com:office:powerpoint" xmlns:com="http://schemas.openxmlformats.org/drawingml/2006/compatibility" xmlns:p14="http://schemas.microsoft.com/office/powerpoint/2010/main" xmlns:p15="http://schemas.microsoft.com/office/powerpoint/2012/main">
   <p:cSld>
     <p:spTree>
       <p:nvGrpSpPr>
-        <p:cNvPr id="93" name="Shape 93"/>
+        <p:cNvPr id="99" name="Shape 99"/>
         <p:cNvGrpSpPr/>
         <p:nvPr/>
       </p:nvGrpSpPr>
@@ -7925,7 +8511,7 @@
       </p:grpSpPr>
       <p:sp>
         <p:nvSpPr>
-          <p:cNvPr id="94" name="Google Shape;94;p14"/>
+          <p:cNvPr id="100" name="Google Shape;100;p15"/>
           <p:cNvSpPr txBox="1"/>
           <p:nvPr/>
         </p:nvSpPr>
@@ -7973,14 +8559,14 @@
       </p:sp>
       <p:sp>
         <p:nvSpPr>
-          <p:cNvPr id="95" name="Google Shape;95;p14"/>
+          <p:cNvPr id="101" name="Google Shape;101;p15"/>
           <p:cNvSpPr txBox="1"/>
           <p:nvPr/>
         </p:nvSpPr>
         <p:spPr>
           <a:xfrm>
-            <a:off x="53575" y="439350"/>
-            <a:ext cx="3932700" cy="4577400"/>
+            <a:off x="1210875" y="492925"/>
+            <a:ext cx="5208000" cy="4577400"/>
           </a:xfrm>
           <a:prstGeom prst="rect">
             <a:avLst/>
@@ -8022,6 +8608,21 @@
               <a:buNone/>
             </a:pPr>
             <a:r>
+              <a:t/>
+            </a:r>
+            <a:endParaRPr sz="1500"/>
+          </a:p>
+          <a:p>
+            <a:pPr indent="0" lvl="0" marL="0" rtl="0" algn="l">
+              <a:spcBef>
+                <a:spcPts val="0"/>
+              </a:spcBef>
+              <a:spcAft>
+                <a:spcPts val="0"/>
+              </a:spcAft>
+              <a:buNone/>
+            </a:pPr>
+            <a:r>
               <a:rPr lang="en" sz="1000"/>
               <a:t>1) Read the image to I.</a:t>
             </a:r>
@@ -8402,7 +9003,7 @@
       </p:sp>
       <p:sp>
         <p:nvSpPr>
-          <p:cNvPr id="96" name="Google Shape;96;p14"/>
+          <p:cNvPr id="102" name="Google Shape;102;p15"/>
           <p:cNvSpPr txBox="1"/>
           <p:nvPr/>
         </p:nvSpPr>
@@ -8460,7 +9061,7 @@
       </p:sp>
       <p:sp>
         <p:nvSpPr>
-          <p:cNvPr id="97" name="Google Shape;97;p14"/>
+          <p:cNvPr id="103" name="Google Shape;103;p15"/>
           <p:cNvSpPr txBox="1"/>
           <p:nvPr/>
         </p:nvSpPr>
@@ -8483,32 +9084,6 @@
           </a:bodyPr>
           <a:lstStyle/>
           <a:p>
-            <a:pPr indent="0" lvl="0" marL="0" rtl="0" algn="just">
-              <a:spcBef>
-                <a:spcPts val="0"/>
-              </a:spcBef>
-              <a:spcAft>
-                <a:spcPts val="0"/>
-              </a:spcAft>
-              <a:buNone/>
-            </a:pPr>
-            <a:r>
-              <a:rPr lang="en" sz="1300">
-                <a:latin typeface="Lato"/>
-                <a:ea typeface="Lato"/>
-                <a:cs typeface="Lato"/>
-                <a:sym typeface="Lato"/>
-              </a:rPr>
-              <a:t>The sobel operators of size 3x3 were used, both horizontal and vertical. The adjacent images shows the aggregate of the two gradient images</a:t>
-            </a:r>
-            <a:endParaRPr sz="1300">
-              <a:latin typeface="Lato"/>
-              <a:ea typeface="Lato"/>
-              <a:cs typeface="Lato"/>
-              <a:sym typeface="Lato"/>
-            </a:endParaRPr>
-          </a:p>
-          <a:p>
             <a:pPr indent="0" lvl="0" marL="0" rtl="0" algn="l">
               <a:spcBef>
                 <a:spcPts val="0"/>
@@ -8532,187 +9107,7 @@
       </p:sp>
       <p:sp>
         <p:nvSpPr>
-          <p:cNvPr id="98" name="Google Shape;98;p14"/>
-          <p:cNvSpPr txBox="1"/>
-          <p:nvPr/>
-        </p:nvSpPr>
-        <p:spPr>
-          <a:xfrm>
-            <a:off x="5029200" y="404600"/>
-            <a:ext cx="4114800" cy="2255700"/>
-          </a:xfrm>
-          <a:prstGeom prst="rect">
-            <a:avLst/>
-          </a:prstGeom>
-          <a:noFill/>
-          <a:ln>
-            <a:noFill/>
-          </a:ln>
-        </p:spPr>
-        <p:txBody>
-          <a:bodyPr anchorCtr="0" anchor="t" bIns="91425" lIns="91425" spcFirstLastPara="1" rIns="91425" wrap="square" tIns="91425">
-            <a:noAutofit/>
-          </a:bodyPr>
-          <a:lstStyle/>
-          <a:p>
-            <a:pPr indent="0" lvl="0" marL="0" rtl="0" algn="just">
-              <a:spcBef>
-                <a:spcPts val="0"/>
-              </a:spcBef>
-              <a:spcAft>
-                <a:spcPts val="0"/>
-              </a:spcAft>
-              <a:buNone/>
-            </a:pPr>
-            <a:r>
-              <a:rPr lang="en" sz="1200">
-                <a:latin typeface="Lato"/>
-                <a:ea typeface="Lato"/>
-                <a:cs typeface="Lato"/>
-                <a:sym typeface="Lato"/>
-              </a:rPr>
-              <a:t>We implemented the first step to remove film artifacts. A 3X3 and 5X5 windows are used with different threshold values, T. The output image becomes more smooth as window size increases for same T. It was observed that as the Threshold value increases, the output image looks close to the input image, but this may lead to preserving the film artifacts and other phantom features which may look similar to real mammographic lesions. So, the threshold value has to be negotiated such that the output image looks as close to as the input image with film artifacts and phantom features suppressed. Finally a 5x5 averaging kernel and value of 3 is chosen for T</a:t>
-            </a:r>
-            <a:endParaRPr sz="1200">
-              <a:latin typeface="Lato"/>
-              <a:ea typeface="Lato"/>
-              <a:cs typeface="Lato"/>
-              <a:sym typeface="Lato"/>
-            </a:endParaRPr>
-          </a:p>
-          <a:p>
-            <a:pPr indent="0" lvl="0" marL="0" rtl="0" algn="just">
-              <a:spcBef>
-                <a:spcPts val="0"/>
-              </a:spcBef>
-              <a:spcAft>
-                <a:spcPts val="0"/>
-              </a:spcAft>
-              <a:buNone/>
-            </a:pPr>
-            <a:r>
-              <a:t/>
-            </a:r>
-            <a:endParaRPr sz="1200">
-              <a:latin typeface="Lato"/>
-              <a:ea typeface="Lato"/>
-              <a:cs typeface="Lato"/>
-              <a:sym typeface="Lato"/>
-            </a:endParaRPr>
-          </a:p>
-        </p:txBody>
-      </p:sp>
-      <p:pic>
-        <p:nvPicPr>
-          <p:cNvPr id="99" name="Google Shape;99;p14"/>
-          <p:cNvPicPr preferRelativeResize="0"/>
-          <p:nvPr/>
-        </p:nvPicPr>
-        <p:blipFill>
-          <a:blip r:embed="rId3">
-            <a:alphaModFix/>
-          </a:blip>
-          <a:stretch>
-            <a:fillRect/>
-          </a:stretch>
-        </p:blipFill>
-        <p:spPr>
-          <a:xfrm>
-            <a:off x="3903000" y="549125"/>
-            <a:ext cx="983325" cy="1966650"/>
-          </a:xfrm>
-          <a:prstGeom prst="rect">
-            <a:avLst/>
-          </a:prstGeom>
-          <a:noFill/>
-          <a:ln>
-            <a:noFill/>
-          </a:ln>
-        </p:spPr>
-      </p:pic>
-      <p:sp>
-        <p:nvSpPr>
-          <p:cNvPr id="100" name="Google Shape;100;p14"/>
-          <p:cNvSpPr txBox="1"/>
-          <p:nvPr/>
-        </p:nvSpPr>
-        <p:spPr>
-          <a:xfrm>
-            <a:off x="3923200" y="2459250"/>
-            <a:ext cx="942900" cy="225000"/>
-          </a:xfrm>
-          <a:prstGeom prst="rect">
-            <a:avLst/>
-          </a:prstGeom>
-          <a:noFill/>
-          <a:ln>
-            <a:noFill/>
-          </a:ln>
-        </p:spPr>
-        <p:txBody>
-          <a:bodyPr anchorCtr="0" anchor="t" bIns="91425" lIns="91425" spcFirstLastPara="1" rIns="91425" wrap="square" tIns="91425">
-            <a:noAutofit/>
-          </a:bodyPr>
-          <a:lstStyle/>
-          <a:p>
-            <a:pPr indent="0" lvl="0" marL="0" rtl="0" algn="l">
-              <a:spcBef>
-                <a:spcPts val="0"/>
-              </a:spcBef>
-              <a:spcAft>
-                <a:spcPts val="0"/>
-              </a:spcAft>
-              <a:buNone/>
-            </a:pPr>
-            <a:r>
-              <a:rPr lang="en" sz="1200">
-                <a:latin typeface="Lato"/>
-                <a:ea typeface="Lato"/>
-                <a:cs typeface="Lato"/>
-                <a:sym typeface="Lato"/>
-              </a:rPr>
-              <a:t>First Step</a:t>
-            </a:r>
-            <a:endParaRPr sz="1200">
-              <a:latin typeface="Lato"/>
-              <a:ea typeface="Lato"/>
-              <a:cs typeface="Lato"/>
-              <a:sym typeface="Lato"/>
-            </a:endParaRPr>
-          </a:p>
-        </p:txBody>
-      </p:sp>
-      <p:pic>
-        <p:nvPicPr>
-          <p:cNvPr id="101" name="Google Shape;101;p14"/>
-          <p:cNvPicPr preferRelativeResize="0"/>
-          <p:nvPr/>
-        </p:nvPicPr>
-        <p:blipFill>
-          <a:blip r:embed="rId4">
-            <a:alphaModFix/>
-          </a:blip>
-          <a:stretch>
-            <a:fillRect/>
-          </a:stretch>
-        </p:blipFill>
-        <p:spPr>
-          <a:xfrm>
-            <a:off x="3873150" y="2753925"/>
-            <a:ext cx="1043000" cy="2086000"/>
-          </a:xfrm>
-          <a:prstGeom prst="rect">
-            <a:avLst/>
-          </a:prstGeom>
-          <a:noFill/>
-          <a:ln>
-            <a:noFill/>
-          </a:ln>
-        </p:spPr>
-      </p:pic>
-      <p:sp>
-        <p:nvSpPr>
-          <p:cNvPr id="102" name="Google Shape;102;p14"/>
+          <p:cNvPr id="104" name="Google Shape;104;p15"/>
           <p:cNvSpPr txBox="1"/>
           <p:nvPr/>
         </p:nvSpPr>
@@ -8745,22 +9140,7 @@
               <a:buNone/>
             </a:pPr>
             <a:r>
-              <a:rPr lang="en" sz="1200">
-                <a:latin typeface="Lato"/>
-                <a:ea typeface="Lato"/>
-                <a:cs typeface="Lato"/>
-                <a:sym typeface="Lato"/>
-              </a:rPr>
-              <a:t>Second</a:t>
-            </a:r>
-            <a:r>
-              <a:rPr lang="en" sz="1200">
-                <a:latin typeface="Lato"/>
-                <a:ea typeface="Lato"/>
-                <a:cs typeface="Lato"/>
-                <a:sym typeface="Lato"/>
-              </a:rPr>
-              <a:t> Step</a:t>
+              <a:t/>
             </a:r>
             <a:endParaRPr sz="1200">
               <a:latin typeface="Lato"/>
@@ -8779,12 +9159,12 @@
 </p:sld>
 </file>
 
-<file path=ppt/slides/slide3.xml><?xml version="1.0" encoding="utf-8"?>
+<file path=ppt/slides/slide4.xml><?xml version="1.0" encoding="utf-8"?>
 <p:sld xmlns:a="http://schemas.openxmlformats.org/drawingml/2006/main" xmlns:r="http://schemas.openxmlformats.org/officeDocument/2006/relationships" xmlns:mc="http://schemas.openxmlformats.org/markup-compatibility/2006" xmlns:mv="urn:schemas-microsoft-com:mac:vml" xmlns:p="http://schemas.openxmlformats.org/presentationml/2006/main" xmlns:c="http://schemas.openxmlformats.org/drawingml/2006/chart" xmlns:dgm="http://schemas.openxmlformats.org/drawingml/2006/diagram" xmlns:o="urn:schemas-microsoft-com:office:office" xmlns:v="urn:schemas-microsoft-com:vml" xmlns:pvml="urn:schemas-microsoft-com:office:powerpoint" xmlns:com="http://schemas.openxmlformats.org/drawingml/2006/compatibility" xmlns:p14="http://schemas.microsoft.com/office/powerpoint/2010/main" xmlns:p15="http://schemas.microsoft.com/office/powerpoint/2012/main">
   <p:cSld>
     <p:spTree>
       <p:nvGrpSpPr>
-        <p:cNvPr id="106" name="Shape 106"/>
+        <p:cNvPr id="108" name="Shape 108"/>
         <p:cNvGrpSpPr/>
         <p:nvPr/>
       </p:nvGrpSpPr>
@@ -8798,7 +9178,558 @@
       </p:grpSpPr>
       <p:sp>
         <p:nvSpPr>
-          <p:cNvPr id="107" name="Google Shape;107;p15"/>
+          <p:cNvPr id="109" name="Google Shape;109;p16"/>
+          <p:cNvSpPr txBox="1"/>
+          <p:nvPr>
+            <p:ph type="title"/>
+          </p:nvPr>
+        </p:nvSpPr>
+        <p:spPr>
+          <a:xfrm>
+            <a:off x="727650" y="707875"/>
+            <a:ext cx="7688700" cy="535200"/>
+          </a:xfrm>
+          <a:prstGeom prst="rect">
+            <a:avLst/>
+          </a:prstGeom>
+        </p:spPr>
+        <p:txBody>
+          <a:bodyPr anchorCtr="0" anchor="t" bIns="91425" lIns="91425" spcFirstLastPara="1" rIns="91425" wrap="square" tIns="91425">
+            <a:noAutofit/>
+          </a:bodyPr>
+          <a:lstStyle/>
+          <a:p>
+            <a:pPr indent="0" lvl="0" marL="0" rtl="0" algn="l">
+              <a:spcBef>
+                <a:spcPts val="0"/>
+              </a:spcBef>
+              <a:spcAft>
+                <a:spcPts val="0"/>
+              </a:spcAft>
+              <a:buNone/>
+            </a:pPr>
+            <a:r>
+              <a:rPr lang="en"/>
+              <a:t>First Step</a:t>
+            </a:r>
+            <a:endParaRPr/>
+          </a:p>
+        </p:txBody>
+      </p:sp>
+      <p:sp>
+        <p:nvSpPr>
+          <p:cNvPr id="110" name="Google Shape;110;p16"/>
+          <p:cNvSpPr txBox="1"/>
+          <p:nvPr>
+            <p:ph idx="1" type="body"/>
+          </p:nvPr>
+        </p:nvSpPr>
+        <p:spPr>
+          <a:xfrm>
+            <a:off x="2250275" y="2078875"/>
+            <a:ext cx="6168000" cy="2261100"/>
+          </a:xfrm>
+          <a:prstGeom prst="rect">
+            <a:avLst/>
+          </a:prstGeom>
+        </p:spPr>
+        <p:txBody>
+          <a:bodyPr anchorCtr="0" anchor="t" bIns="91425" lIns="91425" spcFirstLastPara="1" rIns="91425" wrap="square" tIns="91425">
+            <a:noAutofit/>
+          </a:bodyPr>
+          <a:lstStyle/>
+          <a:p>
+            <a:pPr indent="0" lvl="0" marL="0" rtl="0" algn="just">
+              <a:lnSpc>
+                <a:spcPct val="100000"/>
+              </a:lnSpc>
+              <a:spcBef>
+                <a:spcPts val="0"/>
+              </a:spcBef>
+              <a:spcAft>
+                <a:spcPts val="0"/>
+              </a:spcAft>
+              <a:buNone/>
+            </a:pPr>
+            <a:r>
+              <a:rPr lang="en" sz="1200">
+                <a:solidFill>
+                  <a:srgbClr val="000000"/>
+                </a:solidFill>
+              </a:rPr>
+              <a:t>We implemented the first step to remove film artifacts. A 3X3 and 5X5 windows are used with different threshold values, T. The output image becomes more smooth as window size increases for same T. It was observed that as the Threshold value increases, the output image looks close to the input image, but this may lead to preserving the film artifacts and other phantom features which may look similar to real mammographic lesions. So, the threshold value has to be negotiated such that the output image looks as close to as the input image with film artifacts and phantom features suppressed. Finally a 5x5 averaging kernel and value of 3 is chosen for T</a:t>
+            </a:r>
+            <a:endParaRPr sz="1200">
+              <a:solidFill>
+                <a:srgbClr val="000000"/>
+              </a:solidFill>
+            </a:endParaRPr>
+          </a:p>
+          <a:p>
+            <a:pPr indent="0" lvl="0" marL="0" rtl="0" algn="just">
+              <a:lnSpc>
+                <a:spcPct val="100000"/>
+              </a:lnSpc>
+              <a:spcBef>
+                <a:spcPts val="0"/>
+              </a:spcBef>
+              <a:spcAft>
+                <a:spcPts val="0"/>
+              </a:spcAft>
+              <a:buNone/>
+            </a:pPr>
+            <a:r>
+              <a:t/>
+            </a:r>
+            <a:endParaRPr sz="1200">
+              <a:solidFill>
+                <a:srgbClr val="000000"/>
+              </a:solidFill>
+            </a:endParaRPr>
+          </a:p>
+          <a:p>
+            <a:pPr indent="0" lvl="0" marL="0" rtl="0" algn="l">
+              <a:spcBef>
+                <a:spcPts val="0"/>
+              </a:spcBef>
+              <a:spcAft>
+                <a:spcPts val="1600"/>
+              </a:spcAft>
+              <a:buNone/>
+            </a:pPr>
+            <a:r>
+              <a:t/>
+            </a:r>
+            <a:endParaRPr/>
+          </a:p>
+        </p:txBody>
+      </p:sp>
+      <p:pic>
+        <p:nvPicPr>
+          <p:cNvPr id="111" name="Google Shape;111;p16"/>
+          <p:cNvPicPr preferRelativeResize="0"/>
+          <p:nvPr/>
+        </p:nvPicPr>
+        <p:blipFill>
+          <a:blip r:embed="rId3">
+            <a:alphaModFix/>
+          </a:blip>
+          <a:stretch>
+            <a:fillRect/>
+          </a:stretch>
+        </p:blipFill>
+        <p:spPr>
+          <a:xfrm>
+            <a:off x="516175" y="1900275"/>
+            <a:ext cx="1487675" cy="2975376"/>
+          </a:xfrm>
+          <a:prstGeom prst="rect">
+            <a:avLst/>
+          </a:prstGeom>
+          <a:noFill/>
+          <a:ln>
+            <a:noFill/>
+          </a:ln>
+        </p:spPr>
+      </p:pic>
+    </p:spTree>
+  </p:cSld>
+  <p:clrMapOvr>
+    <a:masterClrMapping/>
+  </p:clrMapOvr>
+</p:sld>
+</file>
+
+<file path=ppt/slides/slide5.xml><?xml version="1.0" encoding="utf-8"?>
+<p:sld xmlns:a="http://schemas.openxmlformats.org/drawingml/2006/main" xmlns:r="http://schemas.openxmlformats.org/officeDocument/2006/relationships" xmlns:mc="http://schemas.openxmlformats.org/markup-compatibility/2006" xmlns:mv="urn:schemas-microsoft-com:mac:vml" xmlns:p="http://schemas.openxmlformats.org/presentationml/2006/main" xmlns:c="http://schemas.openxmlformats.org/drawingml/2006/chart" xmlns:dgm="http://schemas.openxmlformats.org/drawingml/2006/diagram" xmlns:o="urn:schemas-microsoft-com:office:office" xmlns:v="urn:schemas-microsoft-com:vml" xmlns:pvml="urn:schemas-microsoft-com:office:powerpoint" xmlns:com="http://schemas.openxmlformats.org/drawingml/2006/compatibility" xmlns:p14="http://schemas.microsoft.com/office/powerpoint/2010/main" xmlns:p15="http://schemas.microsoft.com/office/powerpoint/2012/main">
+  <p:cSld>
+    <p:spTree>
+      <p:nvGrpSpPr>
+        <p:cNvPr id="115" name="Shape 115"/>
+        <p:cNvGrpSpPr/>
+        <p:nvPr/>
+      </p:nvGrpSpPr>
+      <p:grpSpPr>
+        <a:xfrm>
+          <a:off x="0" y="0"/>
+          <a:ext cx="0" cy="0"/>
+          <a:chOff x="0" y="0"/>
+          <a:chExt cx="0" cy="0"/>
+        </a:xfrm>
+      </p:grpSpPr>
+      <p:sp>
+        <p:nvSpPr>
+          <p:cNvPr id="116" name="Google Shape;116;p17"/>
+          <p:cNvSpPr txBox="1"/>
+          <p:nvPr>
+            <p:ph type="title"/>
+          </p:nvPr>
+        </p:nvSpPr>
+        <p:spPr>
+          <a:xfrm>
+            <a:off x="652650" y="654300"/>
+            <a:ext cx="7688700" cy="535200"/>
+          </a:xfrm>
+          <a:prstGeom prst="rect">
+            <a:avLst/>
+          </a:prstGeom>
+        </p:spPr>
+        <p:txBody>
+          <a:bodyPr anchorCtr="0" anchor="t" bIns="91425" lIns="91425" spcFirstLastPara="1" rIns="91425" wrap="square" tIns="91425">
+            <a:noAutofit/>
+          </a:bodyPr>
+          <a:lstStyle/>
+          <a:p>
+            <a:pPr indent="0" lvl="0" marL="0" rtl="0" algn="l">
+              <a:spcBef>
+                <a:spcPts val="0"/>
+              </a:spcBef>
+              <a:spcAft>
+                <a:spcPts val="0"/>
+              </a:spcAft>
+              <a:buNone/>
+            </a:pPr>
+            <a:r>
+              <a:rPr lang="en"/>
+              <a:t> </a:t>
+            </a:r>
+            <a:r>
+              <a:rPr lang="en"/>
+              <a:t>Second</a:t>
+            </a:r>
+            <a:r>
+              <a:rPr lang="en"/>
+              <a:t> Step</a:t>
+            </a:r>
+            <a:endParaRPr/>
+          </a:p>
+        </p:txBody>
+      </p:sp>
+      <p:sp>
+        <p:nvSpPr>
+          <p:cNvPr id="117" name="Google Shape;117;p17"/>
+          <p:cNvSpPr txBox="1"/>
+          <p:nvPr>
+            <p:ph idx="1" type="body"/>
+          </p:nvPr>
+        </p:nvSpPr>
+        <p:spPr>
+          <a:xfrm>
+            <a:off x="2250275" y="2078875"/>
+            <a:ext cx="6168000" cy="2261100"/>
+          </a:xfrm>
+          <a:prstGeom prst="rect">
+            <a:avLst/>
+          </a:prstGeom>
+        </p:spPr>
+        <p:txBody>
+          <a:bodyPr anchorCtr="0" anchor="t" bIns="91425" lIns="91425" spcFirstLastPara="1" rIns="91425" wrap="square" tIns="91425">
+            <a:noAutofit/>
+          </a:bodyPr>
+          <a:lstStyle/>
+          <a:p>
+            <a:pPr indent="0" lvl="0" marL="0" rtl="0" algn="just">
+              <a:lnSpc>
+                <a:spcPct val="100000"/>
+              </a:lnSpc>
+              <a:spcBef>
+                <a:spcPts val="0"/>
+              </a:spcBef>
+              <a:spcAft>
+                <a:spcPts val="0"/>
+              </a:spcAft>
+              <a:buNone/>
+            </a:pPr>
+            <a:r>
+              <a:rPr lang="en" sz="1200">
+                <a:solidFill>
+                  <a:srgbClr val="000000"/>
+                </a:solidFill>
+              </a:rPr>
+              <a:t>We implemented the first step to remove film artifacts. A 3X3 and 5X5 windows are used with different threshold values, T. The output image becomes more smooth as window size increases for same T. It was observed that as the Threshold value increases, the output image looks close to the input image, but this may lead to preserving the film artifacts and other phantom features which may look similar to real mammographic lesions. So, the threshold value has to be negotiated such that the output image looks as close to as the input image with film artifacts and phantom features suppressed. Finally a 5x5 averaging kernel and value of 3 is chosen for T</a:t>
+            </a:r>
+            <a:endParaRPr sz="1200">
+              <a:solidFill>
+                <a:srgbClr val="000000"/>
+              </a:solidFill>
+            </a:endParaRPr>
+          </a:p>
+          <a:p>
+            <a:pPr indent="0" lvl="0" marL="0" rtl="0" algn="just">
+              <a:lnSpc>
+                <a:spcPct val="100000"/>
+              </a:lnSpc>
+              <a:spcBef>
+                <a:spcPts val="0"/>
+              </a:spcBef>
+              <a:spcAft>
+                <a:spcPts val="0"/>
+              </a:spcAft>
+              <a:buNone/>
+            </a:pPr>
+            <a:r>
+              <a:t/>
+            </a:r>
+            <a:endParaRPr sz="1200">
+              <a:solidFill>
+                <a:srgbClr val="000000"/>
+              </a:solidFill>
+            </a:endParaRPr>
+          </a:p>
+          <a:p>
+            <a:pPr indent="0" lvl="0" marL="0" rtl="0" algn="l">
+              <a:spcBef>
+                <a:spcPts val="0"/>
+              </a:spcBef>
+              <a:spcAft>
+                <a:spcPts val="1600"/>
+              </a:spcAft>
+              <a:buNone/>
+            </a:pPr>
+            <a:r>
+              <a:t/>
+            </a:r>
+            <a:endParaRPr/>
+          </a:p>
+        </p:txBody>
+      </p:sp>
+      <p:pic>
+        <p:nvPicPr>
+          <p:cNvPr id="118" name="Google Shape;118;p17"/>
+          <p:cNvPicPr preferRelativeResize="0"/>
+          <p:nvPr/>
+        </p:nvPicPr>
+        <p:blipFill>
+          <a:blip r:embed="rId3">
+            <a:alphaModFix/>
+          </a:blip>
+          <a:stretch>
+            <a:fillRect/>
+          </a:stretch>
+        </p:blipFill>
+        <p:spPr>
+          <a:xfrm>
+            <a:off x="594175" y="1832375"/>
+            <a:ext cx="1388225" cy="2776450"/>
+          </a:xfrm>
+          <a:prstGeom prst="rect">
+            <a:avLst/>
+          </a:prstGeom>
+          <a:noFill/>
+          <a:ln>
+            <a:noFill/>
+          </a:ln>
+        </p:spPr>
+      </p:pic>
+    </p:spTree>
+  </p:cSld>
+  <p:clrMapOvr>
+    <a:masterClrMapping/>
+  </p:clrMapOvr>
+</p:sld>
+</file>
+
+<file path=ppt/slides/slide6.xml><?xml version="1.0" encoding="utf-8"?>
+<p:sld xmlns:a="http://schemas.openxmlformats.org/drawingml/2006/main" xmlns:r="http://schemas.openxmlformats.org/officeDocument/2006/relationships" xmlns:mc="http://schemas.openxmlformats.org/markup-compatibility/2006" xmlns:mv="urn:schemas-microsoft-com:mac:vml" xmlns:p="http://schemas.openxmlformats.org/presentationml/2006/main" xmlns:c="http://schemas.openxmlformats.org/drawingml/2006/chart" xmlns:dgm="http://schemas.openxmlformats.org/drawingml/2006/diagram" xmlns:o="urn:schemas-microsoft-com:office:office" xmlns:v="urn:schemas-microsoft-com:vml" xmlns:pvml="urn:schemas-microsoft-com:office:powerpoint" xmlns:com="http://schemas.openxmlformats.org/drawingml/2006/compatibility" xmlns:p14="http://schemas.microsoft.com/office/powerpoint/2010/main" xmlns:p15="http://schemas.microsoft.com/office/powerpoint/2012/main">
+  <p:cSld>
+    <p:spTree>
+      <p:nvGrpSpPr>
+        <p:cNvPr id="122" name="Shape 122"/>
+        <p:cNvGrpSpPr/>
+        <p:nvPr/>
+      </p:nvGrpSpPr>
+      <p:grpSpPr>
+        <a:xfrm>
+          <a:off x="0" y="0"/>
+          <a:ext cx="0" cy="0"/>
+          <a:chOff x="0" y="0"/>
+          <a:chExt cx="0" cy="0"/>
+        </a:xfrm>
+      </p:grpSpPr>
+      <p:sp>
+        <p:nvSpPr>
+          <p:cNvPr id="123" name="Google Shape;123;p18"/>
+          <p:cNvSpPr txBox="1"/>
+          <p:nvPr>
+            <p:ph type="title"/>
+          </p:nvPr>
+        </p:nvSpPr>
+        <p:spPr>
+          <a:xfrm>
+            <a:off x="652650" y="654300"/>
+            <a:ext cx="7688700" cy="535200"/>
+          </a:xfrm>
+          <a:prstGeom prst="rect">
+            <a:avLst/>
+          </a:prstGeom>
+        </p:spPr>
+        <p:txBody>
+          <a:bodyPr anchorCtr="0" anchor="t" bIns="91425" lIns="91425" spcFirstLastPara="1" rIns="91425" wrap="square" tIns="91425">
+            <a:noAutofit/>
+          </a:bodyPr>
+          <a:lstStyle/>
+          <a:p>
+            <a:pPr indent="0" lvl="0" marL="0" rtl="0" algn="l">
+              <a:spcBef>
+                <a:spcPts val="0"/>
+              </a:spcBef>
+              <a:spcAft>
+                <a:spcPts val="0"/>
+              </a:spcAft>
+              <a:buNone/>
+            </a:pPr>
+            <a:r>
+              <a:rPr lang="en"/>
+              <a:t> Third Step</a:t>
+            </a:r>
+            <a:endParaRPr/>
+          </a:p>
+        </p:txBody>
+      </p:sp>
+      <p:sp>
+        <p:nvSpPr>
+          <p:cNvPr id="124" name="Google Shape;124;p18"/>
+          <p:cNvSpPr txBox="1"/>
+          <p:nvPr>
+            <p:ph idx="1" type="body"/>
+          </p:nvPr>
+        </p:nvSpPr>
+        <p:spPr>
+          <a:xfrm>
+            <a:off x="2250275" y="2078875"/>
+            <a:ext cx="6168000" cy="2261100"/>
+          </a:xfrm>
+          <a:prstGeom prst="rect">
+            <a:avLst/>
+          </a:prstGeom>
+        </p:spPr>
+        <p:txBody>
+          <a:bodyPr anchorCtr="0" anchor="t" bIns="91425" lIns="91425" spcFirstLastPara="1" rIns="91425" wrap="square" tIns="91425">
+            <a:noAutofit/>
+          </a:bodyPr>
+          <a:lstStyle/>
+          <a:p>
+            <a:pPr indent="0" lvl="0" marL="0" rtl="0" algn="just">
+              <a:lnSpc>
+                <a:spcPct val="100000"/>
+              </a:lnSpc>
+              <a:spcBef>
+                <a:spcPts val="0"/>
+              </a:spcBef>
+              <a:spcAft>
+                <a:spcPts val="0"/>
+              </a:spcAft>
+              <a:buNone/>
+            </a:pPr>
+            <a:r>
+              <a:rPr lang="en">
+                <a:solidFill>
+                  <a:srgbClr val="000000"/>
+                </a:solidFill>
+              </a:rPr>
+              <a:t>The signal adaptive gain is calculated for both the gradient images based on local statistics and multiplied elementwise with the gradient images.</a:t>
+            </a:r>
+            <a:endParaRPr sz="1200">
+              <a:solidFill>
+                <a:srgbClr val="000000"/>
+              </a:solidFill>
+            </a:endParaRPr>
+          </a:p>
+          <a:p>
+            <a:pPr indent="0" lvl="0" marL="0" rtl="0" algn="just">
+              <a:lnSpc>
+                <a:spcPct val="100000"/>
+              </a:lnSpc>
+              <a:spcBef>
+                <a:spcPts val="0"/>
+              </a:spcBef>
+              <a:spcAft>
+                <a:spcPts val="0"/>
+              </a:spcAft>
+              <a:buNone/>
+            </a:pPr>
+            <a:r>
+              <a:t/>
+            </a:r>
+            <a:endParaRPr sz="1200">
+              <a:solidFill>
+                <a:srgbClr val="000000"/>
+              </a:solidFill>
+            </a:endParaRPr>
+          </a:p>
+          <a:p>
+            <a:pPr indent="0" lvl="0" marL="0" rtl="0" algn="l">
+              <a:spcBef>
+                <a:spcPts val="0"/>
+              </a:spcBef>
+              <a:spcAft>
+                <a:spcPts val="1600"/>
+              </a:spcAft>
+              <a:buNone/>
+            </a:pPr>
+            <a:r>
+              <a:t/>
+            </a:r>
+            <a:endParaRPr/>
+          </a:p>
+        </p:txBody>
+      </p:sp>
+      <p:pic>
+        <p:nvPicPr>
+          <p:cNvPr id="125" name="Google Shape;125;p18"/>
+          <p:cNvPicPr preferRelativeResize="0"/>
+          <p:nvPr/>
+        </p:nvPicPr>
+        <p:blipFill>
+          <a:blip r:embed="rId3">
+            <a:alphaModFix/>
+          </a:blip>
+          <a:stretch>
+            <a:fillRect/>
+          </a:stretch>
+        </p:blipFill>
+        <p:spPr>
+          <a:xfrm>
+            <a:off x="538300" y="1726750"/>
+            <a:ext cx="1283350" cy="2566700"/>
+          </a:xfrm>
+          <a:prstGeom prst="rect">
+            <a:avLst/>
+          </a:prstGeom>
+          <a:noFill/>
+          <a:ln>
+            <a:noFill/>
+          </a:ln>
+        </p:spPr>
+      </p:pic>
+    </p:spTree>
+  </p:cSld>
+  <p:clrMapOvr>
+    <a:masterClrMapping/>
+  </p:clrMapOvr>
+</p:sld>
+</file>
+
+<file path=ppt/slides/slide7.xml><?xml version="1.0" encoding="utf-8"?>
+<p:sld xmlns:a="http://schemas.openxmlformats.org/drawingml/2006/main" xmlns:r="http://schemas.openxmlformats.org/officeDocument/2006/relationships" xmlns:mc="http://schemas.openxmlformats.org/markup-compatibility/2006" xmlns:mv="urn:schemas-microsoft-com:mac:vml" xmlns:p="http://schemas.openxmlformats.org/presentationml/2006/main" xmlns:c="http://schemas.openxmlformats.org/drawingml/2006/chart" xmlns:dgm="http://schemas.openxmlformats.org/drawingml/2006/diagram" xmlns:o="urn:schemas-microsoft-com:office:office" xmlns:v="urn:schemas-microsoft-com:vml" xmlns:pvml="urn:schemas-microsoft-com:office:powerpoint" xmlns:com="http://schemas.openxmlformats.org/drawingml/2006/compatibility" xmlns:p14="http://schemas.microsoft.com/office/powerpoint/2010/main" xmlns:p15="http://schemas.microsoft.com/office/powerpoint/2012/main">
+  <p:cSld>
+    <p:spTree>
+      <p:nvGrpSpPr>
+        <p:cNvPr id="129" name="Shape 129"/>
+        <p:cNvGrpSpPr/>
+        <p:nvPr/>
+      </p:nvGrpSpPr>
+      <p:grpSpPr>
+        <a:xfrm>
+          <a:off x="0" y="0"/>
+          <a:ext cx="0" cy="0"/>
+          <a:chOff x="0" y="0"/>
+          <a:chExt cx="0" cy="0"/>
+        </a:xfrm>
+      </p:grpSpPr>
+      <p:sp>
+        <p:nvSpPr>
+          <p:cNvPr id="130" name="Google Shape;130;p19"/>
           <p:cNvSpPr txBox="1"/>
           <p:nvPr/>
         </p:nvSpPr>
@@ -8846,7 +9777,7 @@
       </p:sp>
       <p:sp>
         <p:nvSpPr>
-          <p:cNvPr id="108" name="Google Shape;108;p15"/>
+          <p:cNvPr id="131" name="Google Shape;131;p19"/>
           <p:cNvSpPr txBox="1"/>
           <p:nvPr/>
         </p:nvSpPr>
@@ -8902,175 +9833,14 @@
           </a:p>
         </p:txBody>
       </p:sp>
-      <p:sp>
-        <p:nvSpPr>
-          <p:cNvPr id="109" name="Google Shape;109;p15"/>
-          <p:cNvSpPr txBox="1"/>
-          <p:nvPr/>
-        </p:nvSpPr>
-        <p:spPr>
-          <a:xfrm>
-            <a:off x="1316175" y="760800"/>
-            <a:ext cx="2134200" cy="1585800"/>
-          </a:xfrm>
-          <a:prstGeom prst="rect">
-            <a:avLst/>
-          </a:prstGeom>
-          <a:noFill/>
-          <a:ln>
-            <a:noFill/>
-          </a:ln>
-        </p:spPr>
-        <p:txBody>
-          <a:bodyPr anchorCtr="0" anchor="t" bIns="91425" lIns="91425" spcFirstLastPara="1" rIns="91425" wrap="square" tIns="91425">
-            <a:noAutofit/>
-          </a:bodyPr>
-          <a:lstStyle/>
-          <a:p>
-            <a:pPr indent="0" lvl="0" marL="0" rtl="0" algn="just">
-              <a:spcBef>
-                <a:spcPts val="0"/>
-              </a:spcBef>
-              <a:spcAft>
-                <a:spcPts val="0"/>
-              </a:spcAft>
-              <a:buNone/>
-            </a:pPr>
-            <a:r>
-              <a:rPr lang="en" sz="1300">
-                <a:latin typeface="Lato"/>
-                <a:ea typeface="Lato"/>
-                <a:cs typeface="Lato"/>
-                <a:sym typeface="Lato"/>
-              </a:rPr>
-              <a:t>The signal adaptive gain is calculated for both the gradient images based on local statistics and multiplied elementwise with the gradient images.</a:t>
-            </a:r>
-            <a:endParaRPr sz="1300">
-              <a:latin typeface="Lato"/>
-              <a:ea typeface="Lato"/>
-              <a:cs typeface="Lato"/>
-              <a:sym typeface="Lato"/>
-            </a:endParaRPr>
-          </a:p>
-          <a:p>
-            <a:pPr indent="0" lvl="0" marL="0" rtl="0" algn="l">
-              <a:spcBef>
-                <a:spcPts val="0"/>
-              </a:spcBef>
-              <a:spcAft>
-                <a:spcPts val="0"/>
-              </a:spcAft>
-              <a:buNone/>
-            </a:pPr>
-            <a:r>
-              <a:t/>
-            </a:r>
-            <a:endParaRPr>
-              <a:latin typeface="Lato"/>
-              <a:ea typeface="Lato"/>
-              <a:cs typeface="Lato"/>
-              <a:sym typeface="Lato"/>
-            </a:endParaRPr>
-          </a:p>
-        </p:txBody>
-      </p:sp>
-      <p:sp>
-        <p:nvSpPr>
-          <p:cNvPr id="110" name="Google Shape;110;p15"/>
-          <p:cNvSpPr txBox="1"/>
-          <p:nvPr/>
-        </p:nvSpPr>
-        <p:spPr>
-          <a:xfrm>
-            <a:off x="173963" y="2459250"/>
-            <a:ext cx="1043100" cy="225000"/>
-          </a:xfrm>
-          <a:prstGeom prst="rect">
-            <a:avLst/>
-          </a:prstGeom>
-          <a:noFill/>
-          <a:ln>
-            <a:noFill/>
-          </a:ln>
-        </p:spPr>
-        <p:txBody>
-          <a:bodyPr anchorCtr="0" anchor="t" bIns="91425" lIns="91425" spcFirstLastPara="1" rIns="91425" wrap="square" tIns="91425">
-            <a:noAutofit/>
-          </a:bodyPr>
-          <a:lstStyle/>
-          <a:p>
-            <a:pPr indent="0" lvl="0" marL="0" rtl="0" algn="l">
-              <a:spcBef>
-                <a:spcPts val="0"/>
-              </a:spcBef>
-              <a:spcAft>
-                <a:spcPts val="0"/>
-              </a:spcAft>
-              <a:buNone/>
-            </a:pPr>
-            <a:r>
-              <a:rPr lang="en" sz="1200">
-                <a:latin typeface="Lato"/>
-                <a:ea typeface="Lato"/>
-                <a:cs typeface="Lato"/>
-                <a:sym typeface="Lato"/>
-              </a:rPr>
-              <a:t>Third</a:t>
-            </a:r>
-            <a:r>
-              <a:rPr lang="en" sz="1200">
-                <a:latin typeface="Lato"/>
-                <a:ea typeface="Lato"/>
-                <a:cs typeface="Lato"/>
-                <a:sym typeface="Lato"/>
-              </a:rPr>
-              <a:t> Step</a:t>
-            </a:r>
-            <a:endParaRPr sz="1200">
-              <a:latin typeface="Lato"/>
-              <a:ea typeface="Lato"/>
-              <a:cs typeface="Lato"/>
-              <a:sym typeface="Lato"/>
-            </a:endParaRPr>
-          </a:p>
-        </p:txBody>
-      </p:sp>
       <p:pic>
         <p:nvPicPr>
-          <p:cNvPr id="111" name="Google Shape;111;p15"/>
-          <p:cNvPicPr preferRelativeResize="0"/>
-          <p:nvPr/>
-        </p:nvPicPr>
-        <p:blipFill>
-          <a:blip r:embed="rId3">
-            <a:alphaModFix/>
-          </a:blip>
-          <a:stretch>
-            <a:fillRect/>
-          </a:stretch>
-        </p:blipFill>
-        <p:spPr>
-          <a:xfrm>
-            <a:off x="173975" y="548025"/>
-            <a:ext cx="940450" cy="1880900"/>
-          </a:xfrm>
-          <a:prstGeom prst="rect">
-            <a:avLst/>
-          </a:prstGeom>
-          <a:noFill/>
-          <a:ln>
-            <a:noFill/>
-          </a:ln>
-        </p:spPr>
-      </p:pic>
-      <p:pic>
-        <p:nvPicPr>
-          <p:cNvPr id="112" name="Google Shape;112;p15"/>
+          <p:cNvPr id="132" name="Google Shape;132;p19"/>
           <p:cNvPicPr preferRelativeResize="0"/>
           <p:nvPr/>
         </p:nvPicPr>
         <p:blipFill rotWithShape="1">
-          <a:blip r:embed="rId4">
+          <a:blip r:embed="rId3">
             <a:alphaModFix/>
           </a:blip>
           <a:srcRect b="23066" l="0" r="0" t="22926"/>
@@ -9078,7 +9848,7 @@
         </p:blipFill>
         <p:spPr>
           <a:xfrm>
-            <a:off x="3538700" y="548025"/>
+            <a:off x="1840950" y="548025"/>
             <a:ext cx="5388600" cy="2164551"/>
           </a:xfrm>
           <a:prstGeom prst="rect">
@@ -9092,13 +9862,13 @@
       </p:pic>
       <p:sp>
         <p:nvSpPr>
-          <p:cNvPr id="113" name="Google Shape;113;p15"/>
+          <p:cNvPr id="133" name="Google Shape;133;p19"/>
           <p:cNvSpPr txBox="1"/>
           <p:nvPr/>
         </p:nvSpPr>
         <p:spPr>
           <a:xfrm>
-            <a:off x="3986200" y="2712575"/>
+            <a:off x="2187750" y="2626850"/>
             <a:ext cx="4768500" cy="825000"/>
           </a:xfrm>
           <a:prstGeom prst="rect">
@@ -9144,12 +9914,12 @@
       </p:sp>
       <p:pic>
         <p:nvPicPr>
-          <p:cNvPr id="114" name="Google Shape;114;p15"/>
+          <p:cNvPr id="134" name="Google Shape;134;p19"/>
           <p:cNvPicPr preferRelativeResize="0"/>
           <p:nvPr/>
         </p:nvPicPr>
         <p:blipFill rotWithShape="1">
-          <a:blip r:embed="rId5">
+          <a:blip r:embed="rId4">
             <a:alphaModFix/>
           </a:blip>
           <a:srcRect b="12691" l="4395" r="4213" t="19040"/>
@@ -9171,7 +9941,7 @@
       </p:pic>
       <p:sp>
         <p:nvSpPr>
-          <p:cNvPr id="115" name="Google Shape;115;p15"/>
+          <p:cNvPr id="135" name="Google Shape;135;p19"/>
           <p:cNvSpPr txBox="1"/>
           <p:nvPr/>
         </p:nvSpPr>
